--- a/FieldAgent/Field Agent.pptx
+++ b/FieldAgent/Field Agent.pptx
@@ -8,7 +8,8 @@
     <p:sldId id="256" r:id="rId2"/>
     <p:sldId id="257" r:id="rId3"/>
     <p:sldId id="259" r:id="rId4"/>
-    <p:sldId id="258" r:id="rId5"/>
+    <p:sldId id="260" r:id="rId5"/>
+    <p:sldId id="258" r:id="rId6"/>
   </p:sldIdLst>
   <p:sldSz cx="12192000" cy="6858000"/>
   <p:notesSz cx="6858000" cy="9144000"/>
@@ -6022,10 +6023,9 @@
               <a:t>AgencyAgentJdbcTemplateRepository</a:t>
             </a:r>
             <a:r>
-              <a:rPr lang="en-GB"/>
+              <a:rPr lang="en-GB" dirty="0"/>
               <a:t>.</a:t>
             </a:r>
-            <a:endParaRPr lang="en-GB" dirty="0"/>
           </a:p>
           <a:p>
             <a:r>
@@ -6194,7 +6194,7 @@
           <a:p>
             <a:r>
               <a:rPr lang="en-GB" dirty="0" err="1"/>
-              <a:t>FindAgent</a:t>
+              <a:t>FindAgentByAlias</a:t>
             </a:r>
             <a:r>
               <a:rPr lang="en-GB" dirty="0"/>
@@ -6235,6 +6235,142 @@
 </file>
 
 <file path=ppt/slides/slide4.xml><?xml version="1.0" encoding="utf-8"?>
+<p:sld xmlns:a="http://schemas.openxmlformats.org/drawingml/2006/main" xmlns:r="http://schemas.openxmlformats.org/officeDocument/2006/relationships" xmlns:p="http://schemas.openxmlformats.org/presentationml/2006/main">
+  <p:cSld>
+    <p:spTree>
+      <p:nvGrpSpPr>
+        <p:cNvPr id="1" name=""/>
+        <p:cNvGrpSpPr/>
+        <p:nvPr/>
+      </p:nvGrpSpPr>
+      <p:grpSpPr>
+        <a:xfrm>
+          <a:off x="0" y="0"/>
+          <a:ext cx="0" cy="0"/>
+          <a:chOff x="0" y="0"/>
+          <a:chExt cx="0" cy="0"/>
+        </a:xfrm>
+      </p:grpSpPr>
+      <p:sp>
+        <p:nvSpPr>
+          <p:cNvPr id="2" name="Title 1">
+            <a:extLst>
+              <a:ext uri="{FF2B5EF4-FFF2-40B4-BE49-F238E27FC236}">
+                <a16:creationId xmlns:a16="http://schemas.microsoft.com/office/drawing/2014/main" id="{56DE24C4-6B6C-4252-9554-B0C1CF51C18D}"/>
+              </a:ext>
+            </a:extLst>
+          </p:cNvPr>
+          <p:cNvSpPr>
+            <a:spLocks noGrp="1"/>
+          </p:cNvSpPr>
+          <p:nvPr>
+            <p:ph type="title"/>
+          </p:nvPr>
+        </p:nvSpPr>
+        <p:spPr/>
+        <p:txBody>
+          <a:bodyPr/>
+          <a:lstStyle/>
+          <a:p>
+            <a:r>
+              <a:rPr lang="en-GB" dirty="0" err="1"/>
+              <a:t>FindAgentByAlias</a:t>
+            </a:r>
+            <a:r>
+              <a:rPr lang="en-GB" dirty="0"/>
+              <a:t>()</a:t>
+            </a:r>
+          </a:p>
+        </p:txBody>
+      </p:sp>
+      <p:sp>
+        <p:nvSpPr>
+          <p:cNvPr id="3" name="Content Placeholder 2">
+            <a:extLst>
+              <a:ext uri="{FF2B5EF4-FFF2-40B4-BE49-F238E27FC236}">
+                <a16:creationId xmlns:a16="http://schemas.microsoft.com/office/drawing/2014/main" id="{F5868055-C70D-4EF0-B752-6228899065A4}"/>
+              </a:ext>
+            </a:extLst>
+          </p:cNvPr>
+          <p:cNvSpPr>
+            <a:spLocks noGrp="1"/>
+          </p:cNvSpPr>
+          <p:nvPr>
+            <p:ph idx="1"/>
+          </p:nvPr>
+        </p:nvSpPr>
+        <p:spPr/>
+        <p:txBody>
+          <a:bodyPr/>
+          <a:lstStyle/>
+          <a:p>
+            <a:r>
+              <a:rPr lang="en-GB" dirty="0"/>
+              <a:t>Date, Mapper - </a:t>
+            </a:r>
+            <a:r>
+              <a:rPr lang="en-GB" dirty="0" err="1"/>
+              <a:t>AliasAgentMapper</a:t>
+            </a:r>
+            <a:endParaRPr lang="en-GB" dirty="0"/>
+          </a:p>
+          <a:p>
+            <a:r>
+              <a:rPr lang="en-GB" dirty="0"/>
+              <a:t>Model - </a:t>
+            </a:r>
+            <a:r>
+              <a:rPr lang="en-GB" dirty="0" err="1"/>
+              <a:t>AliasAgent</a:t>
+            </a:r>
+            <a:endParaRPr lang="en-GB" dirty="0"/>
+          </a:p>
+        </p:txBody>
+      </p:sp>
+      <p:pic>
+        <p:nvPicPr>
+          <p:cNvPr id="5" name="Picture 4" descr="Text&#10;&#10;Description automatically generated">
+            <a:extLst>
+              <a:ext uri="{FF2B5EF4-FFF2-40B4-BE49-F238E27FC236}">
+                <a16:creationId xmlns:a16="http://schemas.microsoft.com/office/drawing/2014/main" id="{0DCBAF30-0EB6-4D0D-8AB7-8A2B70B1D1FA}"/>
+              </a:ext>
+            </a:extLst>
+          </p:cNvPr>
+          <p:cNvPicPr>
+            <a:picLocks noChangeAspect="1"/>
+          </p:cNvPicPr>
+          <p:nvPr/>
+        </p:nvPicPr>
+        <p:blipFill>
+          <a:blip r:embed="rId2"/>
+          <a:stretch>
+            <a:fillRect/>
+          </a:stretch>
+        </p:blipFill>
+        <p:spPr>
+          <a:xfrm>
+            <a:off x="677334" y="3429000"/>
+            <a:ext cx="8912143" cy="1527796"/>
+          </a:xfrm>
+          <a:prstGeom prst="rect">
+            <a:avLst/>
+          </a:prstGeom>
+        </p:spPr>
+      </p:pic>
+    </p:spTree>
+    <p:extLst>
+      <p:ext uri="{BB962C8B-B14F-4D97-AF65-F5344CB8AC3E}">
+        <p14:creationId xmlns:p14="http://schemas.microsoft.com/office/powerpoint/2010/main" val="1444999210"/>
+      </p:ext>
+    </p:extLst>
+  </p:cSld>
+  <p:clrMapOvr>
+    <a:masterClrMapping/>
+  </p:clrMapOvr>
+</p:sld>
+</file>
+
+<file path=ppt/slides/slide5.xml><?xml version="1.0" encoding="utf-8"?>
 <p:sld xmlns:a="http://schemas.openxmlformats.org/drawingml/2006/main" xmlns:r="http://schemas.openxmlformats.org/officeDocument/2006/relationships" xmlns:p="http://schemas.openxmlformats.org/presentationml/2006/main">
   <p:cSld>
     <p:spTree>
